--- a/aux1/auxiliar 01.pptx
+++ b/aux1/auxiliar 01.pptx
@@ -5,11 +5,15 @@
     <p:sldMasterId id="2147483660" r:id="rId1"/>
   </p:sldMasterIdLst>
   <p:notesMasterIdLst>
-    <p:notesMasterId r:id="rId4"/>
+    <p:notesMasterId r:id="rId8"/>
   </p:notesMasterIdLst>
   <p:sldIdLst>
     <p:sldId id="256" r:id="rId2"/>
     <p:sldId id="257" r:id="rId3"/>
+    <p:sldId id="258" r:id="rId4"/>
+    <p:sldId id="259" r:id="rId5"/>
+    <p:sldId id="260" r:id="rId6"/>
+    <p:sldId id="261" r:id="rId7"/>
   </p:sldIdLst>
   <p:sldSz cx="12192000" cy="6858000"/>
   <p:notesSz cx="6858000" cy="9144000"/>
@@ -3661,8 +3665,14 @@
           <a:p>
             <a:pPr lvl="1"/>
             <a:r>
-              <a:rPr lang="es-CL"/>
+              <a:rPr lang="es-CL" dirty="0"/>
               <a:t>Clases</a:t>
+            </a:r>
+          </a:p>
+          <a:p>
+            <a:r>
+              <a:rPr lang="es-CL" dirty="0" err="1"/>
+              <a:t>Testing</a:t>
             </a:r>
             <a:endParaRPr lang="es-CL" dirty="0"/>
           </a:p>
@@ -3701,6 +3711,1372 @@
     <p:extLst>
       <p:ext uri="{BB962C8B-B14F-4D97-AF65-F5344CB8AC3E}">
         <p14:creationId xmlns:p14="http://schemas.microsoft.com/office/powerpoint/2010/main" val="2364296865"/>
+      </p:ext>
+    </p:extLst>
+  </p:cSld>
+  <p:clrMapOvr>
+    <a:masterClrMapping/>
+  </p:clrMapOvr>
+</p:sld>
+</file>
+
+<file path=ppt/slides/slide3.xml><?xml version="1.0" encoding="utf-8"?>
+<p:sld xmlns:a="http://schemas.openxmlformats.org/drawingml/2006/main" xmlns:r="http://schemas.openxmlformats.org/officeDocument/2006/relationships" xmlns:p="http://schemas.openxmlformats.org/presentationml/2006/main">
+  <p:cSld>
+    <p:spTree>
+      <p:nvGrpSpPr>
+        <p:cNvPr id="1" name=""/>
+        <p:cNvGrpSpPr/>
+        <p:nvPr/>
+      </p:nvGrpSpPr>
+      <p:grpSpPr>
+        <a:xfrm>
+          <a:off x="0" y="0"/>
+          <a:ext cx="0" cy="0"/>
+          <a:chOff x="0" y="0"/>
+          <a:chExt cx="0" cy="0"/>
+        </a:xfrm>
+      </p:grpSpPr>
+      <p:sp>
+        <p:nvSpPr>
+          <p:cNvPr id="2" name="Título 1">
+            <a:extLst>
+              <a:ext uri="{FF2B5EF4-FFF2-40B4-BE49-F238E27FC236}">
+                <a16:creationId xmlns:a16="http://schemas.microsoft.com/office/drawing/2014/main" id="{BC2800D7-79BA-454D-844C-E769803C95EA}"/>
+              </a:ext>
+            </a:extLst>
+          </p:cNvPr>
+          <p:cNvSpPr>
+            <a:spLocks noGrp="1"/>
+          </p:cNvSpPr>
+          <p:nvPr>
+            <p:ph type="title"/>
+          </p:nvPr>
+        </p:nvSpPr>
+        <p:spPr/>
+        <p:txBody>
+          <a:bodyPr/>
+          <a:lstStyle/>
+          <a:p>
+            <a:r>
+              <a:rPr lang="es-CL" dirty="0">
+                <a:solidFill>
+                  <a:schemeClr val="accent1">
+                    <a:lumMod val="75000"/>
+                  </a:schemeClr>
+                </a:solidFill>
+              </a:rPr>
+              <a:t>Introducción a C++ - ¿Por qué estudiamos este lenguaje?</a:t>
+            </a:r>
+          </a:p>
+        </p:txBody>
+      </p:sp>
+      <p:sp>
+        <p:nvSpPr>
+          <p:cNvPr id="3" name="Marcador de contenido 2">
+            <a:extLst>
+              <a:ext uri="{FF2B5EF4-FFF2-40B4-BE49-F238E27FC236}">
+                <a16:creationId xmlns:a16="http://schemas.microsoft.com/office/drawing/2014/main" id="{5221BC3D-1DE0-409D-9545-0BD2F4D59BE8}"/>
+              </a:ext>
+            </a:extLst>
+          </p:cNvPr>
+          <p:cNvSpPr>
+            <a:spLocks noGrp="1"/>
+          </p:cNvSpPr>
+          <p:nvPr>
+            <p:ph idx="1"/>
+          </p:nvPr>
+        </p:nvSpPr>
+        <p:spPr/>
+        <p:txBody>
+          <a:bodyPr/>
+          <a:lstStyle/>
+          <a:p>
+            <a:r>
+              <a:rPr lang="es-CL" dirty="0"/>
+              <a:t>Este lenguaje de programación lo utilizaremos para:</a:t>
+            </a:r>
+          </a:p>
+          <a:p>
+            <a:pPr lvl="1"/>
+            <a:r>
+              <a:rPr lang="es-CL" dirty="0"/>
+              <a:t>Tarea 1</a:t>
+            </a:r>
+          </a:p>
+          <a:p>
+            <a:pPr lvl="1"/>
+            <a:r>
+              <a:rPr lang="es-CL" dirty="0"/>
+              <a:t>Tarea 3, uso de CUDA/OPENCL</a:t>
+            </a:r>
+          </a:p>
+          <a:p>
+            <a:pPr lvl="1"/>
+            <a:r>
+              <a:rPr lang="es-CL" dirty="0"/>
+              <a:t>Sus proyectos semestrales</a:t>
+            </a:r>
+          </a:p>
+          <a:p>
+            <a:r>
+              <a:rPr lang="es-CL" dirty="0"/>
+              <a:t>Proyecto semestral (ejemplo)</a:t>
+            </a:r>
+          </a:p>
+          <a:p>
+            <a:pPr lvl="1"/>
+            <a:r>
+              <a:rPr lang="es-CL" dirty="0"/>
+              <a:t>“Implementación plataforma análisis estructural mediante elementos finitos de membrana”</a:t>
+            </a:r>
+          </a:p>
+          <a:p>
+            <a:pPr lvl="1"/>
+            <a:r>
+              <a:rPr lang="es-CL" dirty="0"/>
+              <a:t>Proyecto en C++/CUDA, uso cálculo paralelo en GPU</a:t>
+            </a:r>
+          </a:p>
+          <a:p>
+            <a:pPr lvl="1"/>
+            <a:r>
+              <a:rPr lang="es-CL" dirty="0">
+                <a:hlinkClick r:id="rId2"/>
+              </a:rPr>
+              <a:t>https://github.com/ppizarror/FNELEM-GPU</a:t>
+            </a:r>
+            <a:endParaRPr lang="es-CL" dirty="0"/>
+          </a:p>
+        </p:txBody>
+      </p:sp>
+      <p:sp>
+        <p:nvSpPr>
+          <p:cNvPr id="5" name="Marcador de número de diapositiva 4">
+            <a:extLst>
+              <a:ext uri="{FF2B5EF4-FFF2-40B4-BE49-F238E27FC236}">
+                <a16:creationId xmlns:a16="http://schemas.microsoft.com/office/drawing/2014/main" id="{D5AA2684-F624-4F85-823E-0BBA418B87D9}"/>
+              </a:ext>
+            </a:extLst>
+          </p:cNvPr>
+          <p:cNvSpPr>
+            <a:spLocks noGrp="1"/>
+          </p:cNvSpPr>
+          <p:nvPr>
+            <p:ph type="sldNum" sz="quarter" idx="12"/>
+          </p:nvPr>
+        </p:nvSpPr>
+        <p:spPr/>
+        <p:txBody>
+          <a:bodyPr/>
+          <a:lstStyle/>
+          <a:p>
+            <a:fld id="{60539AB6-AFBB-47CB-A8BC-A4C87AFFBFC1}" type="slidenum">
+              <a:rPr lang="es-CL" smtClean="0"/>
+              <a:t>3</a:t>
+            </a:fld>
+            <a:endParaRPr lang="es-CL"/>
+          </a:p>
+        </p:txBody>
+      </p:sp>
+    </p:spTree>
+    <p:extLst>
+      <p:ext uri="{BB962C8B-B14F-4D97-AF65-F5344CB8AC3E}">
+        <p14:creationId xmlns:p14="http://schemas.microsoft.com/office/powerpoint/2010/main" val="2024227027"/>
+      </p:ext>
+    </p:extLst>
+  </p:cSld>
+  <p:clrMapOvr>
+    <a:masterClrMapping/>
+  </p:clrMapOvr>
+</p:sld>
+</file>
+
+<file path=ppt/slides/slide4.xml><?xml version="1.0" encoding="utf-8"?>
+<p:sld xmlns:a="http://schemas.openxmlformats.org/drawingml/2006/main" xmlns:r="http://schemas.openxmlformats.org/officeDocument/2006/relationships" xmlns:p="http://schemas.openxmlformats.org/presentationml/2006/main">
+  <p:cSld>
+    <p:spTree>
+      <p:nvGrpSpPr>
+        <p:cNvPr id="1" name=""/>
+        <p:cNvGrpSpPr/>
+        <p:nvPr/>
+      </p:nvGrpSpPr>
+      <p:grpSpPr>
+        <a:xfrm>
+          <a:off x="0" y="0"/>
+          <a:ext cx="0" cy="0"/>
+          <a:chOff x="0" y="0"/>
+          <a:chExt cx="0" cy="0"/>
+        </a:xfrm>
+      </p:grpSpPr>
+      <p:sp>
+        <p:nvSpPr>
+          <p:cNvPr id="2" name="Título 1">
+            <a:extLst>
+              <a:ext uri="{FF2B5EF4-FFF2-40B4-BE49-F238E27FC236}">
+                <a16:creationId xmlns:a16="http://schemas.microsoft.com/office/drawing/2014/main" id="{BC2800D7-79BA-454D-844C-E769803C95EA}"/>
+              </a:ext>
+            </a:extLst>
+          </p:cNvPr>
+          <p:cNvSpPr>
+            <a:spLocks noGrp="1"/>
+          </p:cNvSpPr>
+          <p:nvPr>
+            <p:ph type="title"/>
+          </p:nvPr>
+        </p:nvSpPr>
+        <p:spPr/>
+        <p:txBody>
+          <a:bodyPr/>
+          <a:lstStyle/>
+          <a:p>
+            <a:r>
+              <a:rPr lang="es-CL" dirty="0">
+                <a:solidFill>
+                  <a:schemeClr val="accent1">
+                    <a:lumMod val="75000"/>
+                  </a:schemeClr>
+                </a:solidFill>
+              </a:rPr>
+              <a:t>Introducción - Sobre C++</a:t>
+            </a:r>
+          </a:p>
+        </p:txBody>
+      </p:sp>
+      <p:sp>
+        <p:nvSpPr>
+          <p:cNvPr id="3" name="Marcador de contenido 2">
+            <a:extLst>
+              <a:ext uri="{FF2B5EF4-FFF2-40B4-BE49-F238E27FC236}">
+                <a16:creationId xmlns:a16="http://schemas.microsoft.com/office/drawing/2014/main" id="{5221BC3D-1DE0-409D-9545-0BD2F4D59BE8}"/>
+              </a:ext>
+            </a:extLst>
+          </p:cNvPr>
+          <p:cNvSpPr>
+            <a:spLocks noGrp="1"/>
+          </p:cNvSpPr>
+          <p:nvPr>
+            <p:ph idx="1"/>
+          </p:nvPr>
+        </p:nvSpPr>
+        <p:spPr/>
+        <p:txBody>
+          <a:bodyPr/>
+          <a:lstStyle/>
+          <a:p>
+            <a:r>
+              <a:rPr lang="es-CL" dirty="0"/>
+              <a:t>Creado en 1979, por Bjarne S.</a:t>
+            </a:r>
+          </a:p>
+          <a:p>
+            <a:r>
+              <a:rPr lang="es-CL" dirty="0"/>
+              <a:t>Multiparadigma</a:t>
+            </a:r>
+          </a:p>
+          <a:p>
+            <a:r>
+              <a:rPr lang="es-CL" dirty="0"/>
+              <a:t>Tipado fuerte</a:t>
+            </a:r>
+          </a:p>
+          <a:p>
+            <a:r>
+              <a:rPr lang="es-CL" dirty="0"/>
+              <a:t>Eficiente</a:t>
+            </a:r>
+          </a:p>
+        </p:txBody>
+      </p:sp>
+      <p:sp>
+        <p:nvSpPr>
+          <p:cNvPr id="5" name="Marcador de número de diapositiva 4">
+            <a:extLst>
+              <a:ext uri="{FF2B5EF4-FFF2-40B4-BE49-F238E27FC236}">
+                <a16:creationId xmlns:a16="http://schemas.microsoft.com/office/drawing/2014/main" id="{D5AA2684-F624-4F85-823E-0BBA418B87D9}"/>
+              </a:ext>
+            </a:extLst>
+          </p:cNvPr>
+          <p:cNvSpPr>
+            <a:spLocks noGrp="1"/>
+          </p:cNvSpPr>
+          <p:nvPr>
+            <p:ph type="sldNum" sz="quarter" idx="12"/>
+          </p:nvPr>
+        </p:nvSpPr>
+        <p:spPr/>
+        <p:txBody>
+          <a:bodyPr/>
+          <a:lstStyle/>
+          <a:p>
+            <a:fld id="{60539AB6-AFBB-47CB-A8BC-A4C87AFFBFC1}" type="slidenum">
+              <a:rPr lang="es-CL" smtClean="0"/>
+              <a:t>4</a:t>
+            </a:fld>
+            <a:endParaRPr lang="es-CL"/>
+          </a:p>
+        </p:txBody>
+      </p:sp>
+    </p:spTree>
+    <p:extLst>
+      <p:ext uri="{BB962C8B-B14F-4D97-AF65-F5344CB8AC3E}">
+        <p14:creationId xmlns:p14="http://schemas.microsoft.com/office/powerpoint/2010/main" val="3915852966"/>
+      </p:ext>
+    </p:extLst>
+  </p:cSld>
+  <p:clrMapOvr>
+    <a:masterClrMapping/>
+  </p:clrMapOvr>
+</p:sld>
+</file>
+
+<file path=ppt/slides/slide5.xml><?xml version="1.0" encoding="utf-8"?>
+<p:sld xmlns:a="http://schemas.openxmlformats.org/drawingml/2006/main" xmlns:r="http://schemas.openxmlformats.org/officeDocument/2006/relationships" xmlns:p="http://schemas.openxmlformats.org/presentationml/2006/main">
+  <p:cSld>
+    <p:spTree>
+      <p:nvGrpSpPr>
+        <p:cNvPr id="1" name=""/>
+        <p:cNvGrpSpPr/>
+        <p:nvPr/>
+      </p:nvGrpSpPr>
+      <p:grpSpPr>
+        <a:xfrm>
+          <a:off x="0" y="0"/>
+          <a:ext cx="0" cy="0"/>
+          <a:chOff x="0" y="0"/>
+          <a:chExt cx="0" cy="0"/>
+        </a:xfrm>
+      </p:grpSpPr>
+      <p:sp>
+        <p:nvSpPr>
+          <p:cNvPr id="2" name="Título 1">
+            <a:extLst>
+              <a:ext uri="{FF2B5EF4-FFF2-40B4-BE49-F238E27FC236}">
+                <a16:creationId xmlns:a16="http://schemas.microsoft.com/office/drawing/2014/main" id="{BC2800D7-79BA-454D-844C-E769803C95EA}"/>
+              </a:ext>
+            </a:extLst>
+          </p:cNvPr>
+          <p:cNvSpPr>
+            <a:spLocks noGrp="1"/>
+          </p:cNvSpPr>
+          <p:nvPr>
+            <p:ph type="title"/>
+          </p:nvPr>
+        </p:nvSpPr>
+        <p:spPr/>
+        <p:txBody>
+          <a:bodyPr/>
+          <a:lstStyle/>
+          <a:p>
+            <a:r>
+              <a:rPr lang="es-CL" dirty="0">
+                <a:solidFill>
+                  <a:schemeClr val="accent1">
+                    <a:lumMod val="75000"/>
+                  </a:schemeClr>
+                </a:solidFill>
+              </a:rPr>
+              <a:t>Introducción – El clásico HELLO-WORLD</a:t>
+            </a:r>
+          </a:p>
+        </p:txBody>
+      </p:sp>
+      <p:sp>
+        <p:nvSpPr>
+          <p:cNvPr id="5" name="Marcador de número de diapositiva 4">
+            <a:extLst>
+              <a:ext uri="{FF2B5EF4-FFF2-40B4-BE49-F238E27FC236}">
+                <a16:creationId xmlns:a16="http://schemas.microsoft.com/office/drawing/2014/main" id="{D5AA2684-F624-4F85-823E-0BBA418B87D9}"/>
+              </a:ext>
+            </a:extLst>
+          </p:cNvPr>
+          <p:cNvSpPr>
+            <a:spLocks noGrp="1"/>
+          </p:cNvSpPr>
+          <p:nvPr>
+            <p:ph type="sldNum" sz="quarter" idx="12"/>
+          </p:nvPr>
+        </p:nvSpPr>
+        <p:spPr/>
+        <p:txBody>
+          <a:bodyPr/>
+          <a:lstStyle/>
+          <a:p>
+            <a:fld id="{60539AB6-AFBB-47CB-A8BC-A4C87AFFBFC1}" type="slidenum">
+              <a:rPr lang="es-CL" smtClean="0"/>
+              <a:t>5</a:t>
+            </a:fld>
+            <a:endParaRPr lang="es-CL"/>
+          </a:p>
+        </p:txBody>
+      </p:sp>
+      <p:sp>
+        <p:nvSpPr>
+          <p:cNvPr id="4" name="CuadroTexto 3">
+            <a:extLst>
+              <a:ext uri="{FF2B5EF4-FFF2-40B4-BE49-F238E27FC236}">
+                <a16:creationId xmlns:a16="http://schemas.microsoft.com/office/drawing/2014/main" id="{64DD4F0A-CF28-4EB9-B02B-73C25D90B9F8}"/>
+              </a:ext>
+            </a:extLst>
+          </p:cNvPr>
+          <p:cNvSpPr txBox="1"/>
+          <p:nvPr/>
+        </p:nvSpPr>
+        <p:spPr>
+          <a:xfrm>
+            <a:off x="845127" y="3008173"/>
+            <a:ext cx="7137919" cy="2031325"/>
+          </a:xfrm>
+          <a:prstGeom prst="rect">
+            <a:avLst/>
+          </a:prstGeom>
+          <a:noFill/>
+        </p:spPr>
+        <p:txBody>
+          <a:bodyPr wrap="square" rtlCol="0">
+            <a:spAutoFit/>
+          </a:bodyPr>
+          <a:lstStyle/>
+          <a:p>
+            <a:r>
+              <a:rPr lang="en-US" dirty="0">
+                <a:solidFill>
+                  <a:srgbClr val="0000FF"/>
+                </a:solidFill>
+                <a:latin typeface="Consolas" panose="020B0609020204030204" pitchFamily="49" charset="0"/>
+              </a:rPr>
+              <a:t>#include </a:t>
+            </a:r>
+            <a:r>
+              <a:rPr lang="en-US" dirty="0">
+                <a:solidFill>
+                  <a:srgbClr val="A31515"/>
+                </a:solidFill>
+                <a:latin typeface="Consolas" panose="020B0609020204030204" pitchFamily="49" charset="0"/>
+              </a:rPr>
+              <a:t>&lt;iostream&gt;</a:t>
+            </a:r>
+            <a:endParaRPr lang="en-US" dirty="0">
+              <a:solidFill>
+                <a:srgbClr val="000000"/>
+              </a:solidFill>
+              <a:latin typeface="Consolas" panose="020B0609020204030204" pitchFamily="49" charset="0"/>
+            </a:endParaRPr>
+          </a:p>
+          <a:p>
+            <a:br>
+              <a:rPr lang="en-US" dirty="0">
+                <a:solidFill>
+                  <a:srgbClr val="000000"/>
+                </a:solidFill>
+                <a:latin typeface="Consolas" panose="020B0609020204030204" pitchFamily="49" charset="0"/>
+              </a:rPr>
+            </a:br>
+            <a:r>
+              <a:rPr lang="en-US" dirty="0">
+                <a:solidFill>
+                  <a:srgbClr val="0000FF"/>
+                </a:solidFill>
+                <a:latin typeface="Consolas" panose="020B0609020204030204" pitchFamily="49" charset="0"/>
+              </a:rPr>
+              <a:t>int</a:t>
+            </a:r>
+            <a:r>
+              <a:rPr lang="en-US" dirty="0">
+                <a:solidFill>
+                  <a:srgbClr val="000000"/>
+                </a:solidFill>
+                <a:latin typeface="Consolas" panose="020B0609020204030204" pitchFamily="49" charset="0"/>
+              </a:rPr>
+              <a:t> main() {</a:t>
+            </a:r>
+          </a:p>
+          <a:p>
+            <a:r>
+              <a:rPr lang="en-US" dirty="0">
+                <a:solidFill>
+                  <a:srgbClr val="000000"/>
+                </a:solidFill>
+                <a:latin typeface="Consolas" panose="020B0609020204030204" pitchFamily="49" charset="0"/>
+              </a:rPr>
+              <a:t>std::cout &lt;&lt; </a:t>
+            </a:r>
+            <a:r>
+              <a:rPr lang="en-US" dirty="0">
+                <a:solidFill>
+                  <a:srgbClr val="A31515"/>
+                </a:solidFill>
+                <a:latin typeface="Consolas" panose="020B0609020204030204" pitchFamily="49" charset="0"/>
+              </a:rPr>
+              <a:t>"Hello World!"</a:t>
+            </a:r>
+            <a:r>
+              <a:rPr lang="en-US" dirty="0">
+                <a:solidFill>
+                  <a:srgbClr val="000000"/>
+                </a:solidFill>
+                <a:latin typeface="Consolas" panose="020B0609020204030204" pitchFamily="49" charset="0"/>
+              </a:rPr>
+              <a:t> &lt;&lt; std::endl;</a:t>
+            </a:r>
+          </a:p>
+          <a:p>
+            <a:r>
+              <a:rPr lang="en-US" dirty="0">
+                <a:solidFill>
+                  <a:srgbClr val="0000FF"/>
+                </a:solidFill>
+                <a:latin typeface="Consolas" panose="020B0609020204030204" pitchFamily="49" charset="0"/>
+              </a:rPr>
+              <a:t>return</a:t>
+            </a:r>
+            <a:r>
+              <a:rPr lang="en-US" dirty="0">
+                <a:solidFill>
+                  <a:srgbClr val="000000"/>
+                </a:solidFill>
+                <a:latin typeface="Consolas" panose="020B0609020204030204" pitchFamily="49" charset="0"/>
+              </a:rPr>
+              <a:t> </a:t>
+            </a:r>
+            <a:r>
+              <a:rPr lang="en-US" dirty="0">
+                <a:solidFill>
+                  <a:srgbClr val="09885A"/>
+                </a:solidFill>
+                <a:latin typeface="Consolas" panose="020B0609020204030204" pitchFamily="49" charset="0"/>
+              </a:rPr>
+              <a:t>0</a:t>
+            </a:r>
+            <a:r>
+              <a:rPr lang="en-US" dirty="0">
+                <a:solidFill>
+                  <a:srgbClr val="000000"/>
+                </a:solidFill>
+                <a:latin typeface="Consolas" panose="020B0609020204030204" pitchFamily="49" charset="0"/>
+              </a:rPr>
+              <a:t>; </a:t>
+            </a:r>
+            <a:r>
+              <a:rPr lang="en-US" dirty="0">
+                <a:solidFill>
+                  <a:srgbClr val="008000"/>
+                </a:solidFill>
+                <a:latin typeface="Consolas" panose="020B0609020204030204" pitchFamily="49" charset="0"/>
+              </a:rPr>
+              <a:t>// </a:t>
+            </a:r>
+            <a:r>
+              <a:rPr lang="es-CL" dirty="0">
+                <a:solidFill>
+                  <a:srgbClr val="008000"/>
+                </a:solidFill>
+                <a:latin typeface="Consolas" panose="020B0609020204030204" pitchFamily="49" charset="0"/>
+              </a:rPr>
+              <a:t>Opcional</a:t>
+            </a:r>
+            <a:endParaRPr lang="es-CL" dirty="0">
+              <a:solidFill>
+                <a:srgbClr val="000000"/>
+              </a:solidFill>
+              <a:latin typeface="Consolas" panose="020B0609020204030204" pitchFamily="49" charset="0"/>
+            </a:endParaRPr>
+          </a:p>
+          <a:p>
+            <a:r>
+              <a:rPr lang="en-US" dirty="0">
+                <a:solidFill>
+                  <a:srgbClr val="000000"/>
+                </a:solidFill>
+                <a:latin typeface="Consolas" panose="020B0609020204030204" pitchFamily="49" charset="0"/>
+              </a:rPr>
+              <a:t>}</a:t>
+            </a:r>
+          </a:p>
+          <a:p>
+            <a:endParaRPr lang="es-CL" dirty="0"/>
+          </a:p>
+        </p:txBody>
+      </p:sp>
+      <p:sp>
+        <p:nvSpPr>
+          <p:cNvPr id="6" name="CuadroTexto 5">
+            <a:extLst>
+              <a:ext uri="{FF2B5EF4-FFF2-40B4-BE49-F238E27FC236}">
+                <a16:creationId xmlns:a16="http://schemas.microsoft.com/office/drawing/2014/main" id="{DDF4ACBB-2EC2-4176-8219-9D800382E8F3}"/>
+              </a:ext>
+            </a:extLst>
+          </p:cNvPr>
+          <p:cNvSpPr txBox="1"/>
+          <p:nvPr/>
+        </p:nvSpPr>
+        <p:spPr>
+          <a:xfrm>
+            <a:off x="7539136" y="2859060"/>
+            <a:ext cx="3051110" cy="369332"/>
+          </a:xfrm>
+          <a:prstGeom prst="rect">
+            <a:avLst/>
+          </a:prstGeom>
+          <a:noFill/>
+        </p:spPr>
+        <p:txBody>
+          <a:bodyPr wrap="square" rtlCol="0">
+            <a:spAutoFit/>
+          </a:bodyPr>
+          <a:lstStyle/>
+          <a:p>
+            <a:r>
+              <a:rPr lang="es-CL" dirty="0"/>
+              <a:t>Importación de librerías</a:t>
+            </a:r>
+          </a:p>
+        </p:txBody>
+      </p:sp>
+      <p:cxnSp>
+        <p:nvCxnSpPr>
+          <p:cNvPr id="8" name="Conector recto de flecha 7">
+            <a:extLst>
+              <a:ext uri="{FF2B5EF4-FFF2-40B4-BE49-F238E27FC236}">
+                <a16:creationId xmlns:a16="http://schemas.microsoft.com/office/drawing/2014/main" id="{87E82CFE-F899-4144-8BB2-AB629C1C104A}"/>
+              </a:ext>
+            </a:extLst>
+          </p:cNvPr>
+          <p:cNvCxnSpPr/>
+          <p:nvPr/>
+        </p:nvCxnSpPr>
+        <p:spPr>
+          <a:xfrm flipV="1">
+            <a:off x="3452327" y="3043726"/>
+            <a:ext cx="3937518" cy="145397"/>
+          </a:xfrm>
+          <a:prstGeom prst="straightConnector1">
+            <a:avLst/>
+          </a:prstGeom>
+          <a:ln>
+            <a:tailEnd type="triangle"/>
+          </a:ln>
+        </p:spPr>
+        <p:style>
+          <a:lnRef idx="1">
+            <a:schemeClr val="accent1"/>
+          </a:lnRef>
+          <a:fillRef idx="0">
+            <a:schemeClr val="accent1"/>
+          </a:fillRef>
+          <a:effectRef idx="0">
+            <a:schemeClr val="accent1"/>
+          </a:effectRef>
+          <a:fontRef idx="minor">
+            <a:schemeClr val="tx1"/>
+          </a:fontRef>
+        </p:style>
+      </p:cxnSp>
+      <p:sp>
+        <p:nvSpPr>
+          <p:cNvPr id="9" name="CuadroTexto 8">
+            <a:extLst>
+              <a:ext uri="{FF2B5EF4-FFF2-40B4-BE49-F238E27FC236}">
+                <a16:creationId xmlns:a16="http://schemas.microsoft.com/office/drawing/2014/main" id="{2050879A-56DE-4045-A552-82AADCE15B05}"/>
+              </a:ext>
+            </a:extLst>
+          </p:cNvPr>
+          <p:cNvSpPr txBox="1"/>
+          <p:nvPr/>
+        </p:nvSpPr>
+        <p:spPr>
+          <a:xfrm>
+            <a:off x="6693161" y="3382347"/>
+            <a:ext cx="3051110" cy="923330"/>
+          </a:xfrm>
+          <a:prstGeom prst="rect">
+            <a:avLst/>
+          </a:prstGeom>
+          <a:noFill/>
+        </p:spPr>
+        <p:txBody>
+          <a:bodyPr wrap="square" rtlCol="0">
+            <a:spAutoFit/>
+          </a:bodyPr>
+          <a:lstStyle/>
+          <a:p>
+            <a:r>
+              <a:rPr lang="es-CL" dirty="0"/>
+              <a:t>Función principal, retorna 0 (sin errores) o cualquier cosa (error)</a:t>
+            </a:r>
+          </a:p>
+        </p:txBody>
+      </p:sp>
+      <p:cxnSp>
+        <p:nvCxnSpPr>
+          <p:cNvPr id="10" name="Conector recto de flecha 9">
+            <a:extLst>
+              <a:ext uri="{FF2B5EF4-FFF2-40B4-BE49-F238E27FC236}">
+                <a16:creationId xmlns:a16="http://schemas.microsoft.com/office/drawing/2014/main" id="{5A818DDC-E48B-4034-A7E4-7F0CCF145EC8}"/>
+              </a:ext>
+            </a:extLst>
+          </p:cNvPr>
+          <p:cNvCxnSpPr/>
+          <p:nvPr/>
+        </p:nvCxnSpPr>
+        <p:spPr>
+          <a:xfrm flipV="1">
+            <a:off x="2606352" y="3567013"/>
+            <a:ext cx="3937518" cy="145397"/>
+          </a:xfrm>
+          <a:prstGeom prst="straightConnector1">
+            <a:avLst/>
+          </a:prstGeom>
+          <a:ln>
+            <a:tailEnd type="triangle"/>
+          </a:ln>
+        </p:spPr>
+        <p:style>
+          <a:lnRef idx="1">
+            <a:schemeClr val="accent1"/>
+          </a:lnRef>
+          <a:fillRef idx="0">
+            <a:schemeClr val="accent1"/>
+          </a:fillRef>
+          <a:effectRef idx="0">
+            <a:schemeClr val="accent1"/>
+          </a:effectRef>
+          <a:fontRef idx="minor">
+            <a:schemeClr val="tx1"/>
+          </a:fontRef>
+        </p:style>
+      </p:cxnSp>
+      <p:sp>
+        <p:nvSpPr>
+          <p:cNvPr id="11" name="CuadroTexto 10">
+            <a:extLst>
+              <a:ext uri="{FF2B5EF4-FFF2-40B4-BE49-F238E27FC236}">
+                <a16:creationId xmlns:a16="http://schemas.microsoft.com/office/drawing/2014/main" id="{C61DA02C-0CEF-4CD5-85A3-6BFA315D55FC}"/>
+              </a:ext>
+            </a:extLst>
+          </p:cNvPr>
+          <p:cNvSpPr txBox="1"/>
+          <p:nvPr/>
+        </p:nvSpPr>
+        <p:spPr>
+          <a:xfrm>
+            <a:off x="7412749" y="4817686"/>
+            <a:ext cx="3051110" cy="923330"/>
+          </a:xfrm>
+          <a:prstGeom prst="rect">
+            <a:avLst/>
+          </a:prstGeom>
+          <a:noFill/>
+        </p:spPr>
+        <p:txBody>
+          <a:bodyPr wrap="square" rtlCol="0">
+            <a:spAutoFit/>
+          </a:bodyPr>
+          <a:lstStyle/>
+          <a:p>
+            <a:r>
+              <a:rPr lang="es-CL" dirty="0"/>
+              <a:t>Pasamos “</a:t>
+            </a:r>
+            <a:r>
+              <a:rPr lang="es-CL" dirty="0" err="1"/>
+              <a:t>Hello</a:t>
+            </a:r>
+            <a:r>
+              <a:rPr lang="es-CL" dirty="0"/>
+              <a:t> </a:t>
+            </a:r>
+            <a:r>
+              <a:rPr lang="es-CL" dirty="0" err="1"/>
+              <a:t>World</a:t>
+            </a:r>
+            <a:r>
+              <a:rPr lang="es-CL" dirty="0"/>
+              <a:t>!” al I/O de </a:t>
+            </a:r>
+            <a:r>
+              <a:rPr lang="es-CL" dirty="0" err="1"/>
+              <a:t>std</a:t>
+            </a:r>
+            <a:r>
+              <a:rPr lang="es-CL" dirty="0"/>
+              <a:t>::</a:t>
+            </a:r>
+            <a:r>
+              <a:rPr lang="es-CL" dirty="0" err="1"/>
+              <a:t>cout</a:t>
+            </a:r>
+            <a:r>
+              <a:rPr lang="es-CL" dirty="0"/>
+              <a:t> de la salida estándar</a:t>
+            </a:r>
+          </a:p>
+        </p:txBody>
+      </p:sp>
+      <p:cxnSp>
+        <p:nvCxnSpPr>
+          <p:cNvPr id="12" name="Conector recto de flecha 11">
+            <a:extLst>
+              <a:ext uri="{FF2B5EF4-FFF2-40B4-BE49-F238E27FC236}">
+                <a16:creationId xmlns:a16="http://schemas.microsoft.com/office/drawing/2014/main" id="{35548BA7-7A8A-41A2-ACA8-B6E5C0B61B28}"/>
+              </a:ext>
+            </a:extLst>
+          </p:cNvPr>
+          <p:cNvCxnSpPr>
+            <a:cxnSpLocks/>
+          </p:cNvCxnSpPr>
+          <p:nvPr/>
+        </p:nvCxnSpPr>
+        <p:spPr>
+          <a:xfrm>
+            <a:off x="4609322" y="4198776"/>
+            <a:ext cx="2654136" cy="803577"/>
+          </a:xfrm>
+          <a:prstGeom prst="straightConnector1">
+            <a:avLst/>
+          </a:prstGeom>
+          <a:ln>
+            <a:tailEnd type="triangle"/>
+          </a:ln>
+        </p:spPr>
+        <p:style>
+          <a:lnRef idx="1">
+            <a:schemeClr val="accent1"/>
+          </a:lnRef>
+          <a:fillRef idx="0">
+            <a:schemeClr val="accent1"/>
+          </a:fillRef>
+          <a:effectRef idx="0">
+            <a:schemeClr val="accent1"/>
+          </a:effectRef>
+          <a:fontRef idx="minor">
+            <a:schemeClr val="tx1"/>
+          </a:fontRef>
+        </p:style>
+      </p:cxnSp>
+      <p:sp>
+        <p:nvSpPr>
+          <p:cNvPr id="14" name="CuadroTexto 13">
+            <a:extLst>
+              <a:ext uri="{FF2B5EF4-FFF2-40B4-BE49-F238E27FC236}">
+                <a16:creationId xmlns:a16="http://schemas.microsoft.com/office/drawing/2014/main" id="{260CD276-1421-4913-A3D6-6E4FEA2FBDD1}"/>
+              </a:ext>
+            </a:extLst>
+          </p:cNvPr>
+          <p:cNvSpPr txBox="1"/>
+          <p:nvPr/>
+        </p:nvSpPr>
+        <p:spPr>
+          <a:xfrm>
+            <a:off x="3707365" y="5679819"/>
+            <a:ext cx="3051110" cy="646331"/>
+          </a:xfrm>
+          <a:prstGeom prst="rect">
+            <a:avLst/>
+          </a:prstGeom>
+          <a:noFill/>
+        </p:spPr>
+        <p:txBody>
+          <a:bodyPr wrap="square" rtlCol="0">
+            <a:spAutoFit/>
+          </a:bodyPr>
+          <a:lstStyle/>
+          <a:p>
+            <a:r>
+              <a:rPr lang="es-CL" dirty="0"/>
+              <a:t>Si no añadimos esto el compilador lo hará solo</a:t>
+            </a:r>
+          </a:p>
+        </p:txBody>
+      </p:sp>
+      <p:cxnSp>
+        <p:nvCxnSpPr>
+          <p:cNvPr id="15" name="Conector recto de flecha 14">
+            <a:extLst>
+              <a:ext uri="{FF2B5EF4-FFF2-40B4-BE49-F238E27FC236}">
+                <a16:creationId xmlns:a16="http://schemas.microsoft.com/office/drawing/2014/main" id="{596B573B-D3D5-4AEA-91F2-B23904475746}"/>
+              </a:ext>
+            </a:extLst>
+          </p:cNvPr>
+          <p:cNvCxnSpPr>
+            <a:cxnSpLocks/>
+          </p:cNvCxnSpPr>
+          <p:nvPr/>
+        </p:nvCxnSpPr>
+        <p:spPr>
+          <a:xfrm>
+            <a:off x="1856792" y="4498901"/>
+            <a:ext cx="1701282" cy="1365585"/>
+          </a:xfrm>
+          <a:prstGeom prst="straightConnector1">
+            <a:avLst/>
+          </a:prstGeom>
+          <a:ln>
+            <a:tailEnd type="triangle"/>
+          </a:ln>
+        </p:spPr>
+        <p:style>
+          <a:lnRef idx="1">
+            <a:schemeClr val="accent1"/>
+          </a:lnRef>
+          <a:fillRef idx="0">
+            <a:schemeClr val="accent1"/>
+          </a:fillRef>
+          <a:effectRef idx="0">
+            <a:schemeClr val="accent1"/>
+          </a:effectRef>
+          <a:fontRef idx="minor">
+            <a:schemeClr val="tx1"/>
+          </a:fontRef>
+        </p:style>
+      </p:cxnSp>
+    </p:spTree>
+    <p:extLst>
+      <p:ext uri="{BB962C8B-B14F-4D97-AF65-F5344CB8AC3E}">
+        <p14:creationId xmlns:p14="http://schemas.microsoft.com/office/powerpoint/2010/main" val="3880649648"/>
+      </p:ext>
+    </p:extLst>
+  </p:cSld>
+  <p:clrMapOvr>
+    <a:masterClrMapping/>
+  </p:clrMapOvr>
+  <p:timing>
+    <p:tnLst>
+      <p:par>
+        <p:cTn id="1" dur="indefinite" restart="never" nodeType="tmRoot">
+          <p:childTnLst>
+            <p:seq concurrent="1" nextAc="seek">
+              <p:cTn id="2" dur="indefinite" nodeType="mainSeq">
+                <p:childTnLst>
+                  <p:par>
+                    <p:cTn id="3" fill="hold">
+                      <p:stCondLst>
+                        <p:cond delay="indefinite"/>
+                      </p:stCondLst>
+                      <p:childTnLst>
+                        <p:par>
+                          <p:cTn id="4" fill="hold">
+                            <p:stCondLst>
+                              <p:cond delay="0"/>
+                            </p:stCondLst>
+                            <p:childTnLst>
+                              <p:par>
+                                <p:cTn id="5" presetID="1" presetClass="entr" presetSubtype="0" fill="hold" nodeType="clickEffect">
+                                  <p:stCondLst>
+                                    <p:cond delay="0"/>
+                                  </p:stCondLst>
+                                  <p:childTnLst>
+                                    <p:set>
+                                      <p:cBhvr>
+                                        <p:cTn id="6" dur="1" fill="hold">
+                                          <p:stCondLst>
+                                            <p:cond delay="0"/>
+                                          </p:stCondLst>
+                                        </p:cTn>
+                                        <p:tgtEl>
+                                          <p:spTgt spid="8"/>
+                                        </p:tgtEl>
+                                        <p:attrNameLst>
+                                          <p:attrName>style.visibility</p:attrName>
+                                        </p:attrNameLst>
+                                      </p:cBhvr>
+                                      <p:to>
+                                        <p:strVal val="visible"/>
+                                      </p:to>
+                                    </p:set>
+                                  </p:childTnLst>
+                                </p:cTn>
+                              </p:par>
+                              <p:par>
+                                <p:cTn id="7" presetID="1" presetClass="entr" presetSubtype="0" fill="hold" grpId="0" nodeType="withEffect">
+                                  <p:stCondLst>
+                                    <p:cond delay="0"/>
+                                  </p:stCondLst>
+                                  <p:childTnLst>
+                                    <p:set>
+                                      <p:cBhvr>
+                                        <p:cTn id="8" dur="1" fill="hold">
+                                          <p:stCondLst>
+                                            <p:cond delay="0"/>
+                                          </p:stCondLst>
+                                        </p:cTn>
+                                        <p:tgtEl>
+                                          <p:spTgt spid="6"/>
+                                        </p:tgtEl>
+                                        <p:attrNameLst>
+                                          <p:attrName>style.visibility</p:attrName>
+                                        </p:attrNameLst>
+                                      </p:cBhvr>
+                                      <p:to>
+                                        <p:strVal val="visible"/>
+                                      </p:to>
+                                    </p:set>
+                                  </p:childTnLst>
+                                </p:cTn>
+                              </p:par>
+                            </p:childTnLst>
+                          </p:cTn>
+                        </p:par>
+                      </p:childTnLst>
+                    </p:cTn>
+                  </p:par>
+                  <p:par>
+                    <p:cTn id="9" fill="hold">
+                      <p:stCondLst>
+                        <p:cond delay="indefinite"/>
+                      </p:stCondLst>
+                      <p:childTnLst>
+                        <p:par>
+                          <p:cTn id="10" fill="hold">
+                            <p:stCondLst>
+                              <p:cond delay="0"/>
+                            </p:stCondLst>
+                            <p:childTnLst>
+                              <p:par>
+                                <p:cTn id="11" presetID="1" presetClass="entr" presetSubtype="0" fill="hold" nodeType="clickEffect">
+                                  <p:stCondLst>
+                                    <p:cond delay="0"/>
+                                  </p:stCondLst>
+                                  <p:childTnLst>
+                                    <p:set>
+                                      <p:cBhvr>
+                                        <p:cTn id="12" dur="1" fill="hold">
+                                          <p:stCondLst>
+                                            <p:cond delay="0"/>
+                                          </p:stCondLst>
+                                        </p:cTn>
+                                        <p:tgtEl>
+                                          <p:spTgt spid="10"/>
+                                        </p:tgtEl>
+                                        <p:attrNameLst>
+                                          <p:attrName>style.visibility</p:attrName>
+                                        </p:attrNameLst>
+                                      </p:cBhvr>
+                                      <p:to>
+                                        <p:strVal val="visible"/>
+                                      </p:to>
+                                    </p:set>
+                                  </p:childTnLst>
+                                </p:cTn>
+                              </p:par>
+                              <p:par>
+                                <p:cTn id="13" presetID="1" presetClass="entr" presetSubtype="0" fill="hold" grpId="0" nodeType="withEffect">
+                                  <p:stCondLst>
+                                    <p:cond delay="0"/>
+                                  </p:stCondLst>
+                                  <p:childTnLst>
+                                    <p:set>
+                                      <p:cBhvr>
+                                        <p:cTn id="14" dur="1" fill="hold">
+                                          <p:stCondLst>
+                                            <p:cond delay="0"/>
+                                          </p:stCondLst>
+                                        </p:cTn>
+                                        <p:tgtEl>
+                                          <p:spTgt spid="9"/>
+                                        </p:tgtEl>
+                                        <p:attrNameLst>
+                                          <p:attrName>style.visibility</p:attrName>
+                                        </p:attrNameLst>
+                                      </p:cBhvr>
+                                      <p:to>
+                                        <p:strVal val="visible"/>
+                                      </p:to>
+                                    </p:set>
+                                  </p:childTnLst>
+                                </p:cTn>
+                              </p:par>
+                            </p:childTnLst>
+                          </p:cTn>
+                        </p:par>
+                      </p:childTnLst>
+                    </p:cTn>
+                  </p:par>
+                  <p:par>
+                    <p:cTn id="15" fill="hold">
+                      <p:stCondLst>
+                        <p:cond delay="indefinite"/>
+                      </p:stCondLst>
+                      <p:childTnLst>
+                        <p:par>
+                          <p:cTn id="16" fill="hold">
+                            <p:stCondLst>
+                              <p:cond delay="0"/>
+                            </p:stCondLst>
+                            <p:childTnLst>
+                              <p:par>
+                                <p:cTn id="17" presetID="1" presetClass="entr" presetSubtype="0" fill="hold" nodeType="clickEffect">
+                                  <p:stCondLst>
+                                    <p:cond delay="0"/>
+                                  </p:stCondLst>
+                                  <p:childTnLst>
+                                    <p:set>
+                                      <p:cBhvr>
+                                        <p:cTn id="18" dur="1" fill="hold">
+                                          <p:stCondLst>
+                                            <p:cond delay="0"/>
+                                          </p:stCondLst>
+                                        </p:cTn>
+                                        <p:tgtEl>
+                                          <p:spTgt spid="12"/>
+                                        </p:tgtEl>
+                                        <p:attrNameLst>
+                                          <p:attrName>style.visibility</p:attrName>
+                                        </p:attrNameLst>
+                                      </p:cBhvr>
+                                      <p:to>
+                                        <p:strVal val="visible"/>
+                                      </p:to>
+                                    </p:set>
+                                  </p:childTnLst>
+                                </p:cTn>
+                              </p:par>
+                              <p:par>
+                                <p:cTn id="19" presetID="1" presetClass="entr" presetSubtype="0" fill="hold" grpId="0" nodeType="withEffect">
+                                  <p:stCondLst>
+                                    <p:cond delay="0"/>
+                                  </p:stCondLst>
+                                  <p:childTnLst>
+                                    <p:set>
+                                      <p:cBhvr>
+                                        <p:cTn id="20" dur="1" fill="hold">
+                                          <p:stCondLst>
+                                            <p:cond delay="0"/>
+                                          </p:stCondLst>
+                                        </p:cTn>
+                                        <p:tgtEl>
+                                          <p:spTgt spid="11"/>
+                                        </p:tgtEl>
+                                        <p:attrNameLst>
+                                          <p:attrName>style.visibility</p:attrName>
+                                        </p:attrNameLst>
+                                      </p:cBhvr>
+                                      <p:to>
+                                        <p:strVal val="visible"/>
+                                      </p:to>
+                                    </p:set>
+                                  </p:childTnLst>
+                                </p:cTn>
+                              </p:par>
+                            </p:childTnLst>
+                          </p:cTn>
+                        </p:par>
+                      </p:childTnLst>
+                    </p:cTn>
+                  </p:par>
+                  <p:par>
+                    <p:cTn id="21" fill="hold">
+                      <p:stCondLst>
+                        <p:cond delay="indefinite"/>
+                      </p:stCondLst>
+                      <p:childTnLst>
+                        <p:par>
+                          <p:cTn id="22" fill="hold">
+                            <p:stCondLst>
+                              <p:cond delay="0"/>
+                            </p:stCondLst>
+                            <p:childTnLst>
+                              <p:par>
+                                <p:cTn id="23" presetID="1" presetClass="entr" presetSubtype="0" fill="hold" nodeType="clickEffect">
+                                  <p:stCondLst>
+                                    <p:cond delay="0"/>
+                                  </p:stCondLst>
+                                  <p:childTnLst>
+                                    <p:set>
+                                      <p:cBhvr>
+                                        <p:cTn id="24" dur="1" fill="hold">
+                                          <p:stCondLst>
+                                            <p:cond delay="0"/>
+                                          </p:stCondLst>
+                                        </p:cTn>
+                                        <p:tgtEl>
+                                          <p:spTgt spid="15"/>
+                                        </p:tgtEl>
+                                        <p:attrNameLst>
+                                          <p:attrName>style.visibility</p:attrName>
+                                        </p:attrNameLst>
+                                      </p:cBhvr>
+                                      <p:to>
+                                        <p:strVal val="visible"/>
+                                      </p:to>
+                                    </p:set>
+                                  </p:childTnLst>
+                                </p:cTn>
+                              </p:par>
+                              <p:par>
+                                <p:cTn id="25" presetID="1" presetClass="entr" presetSubtype="0" fill="hold" grpId="0" nodeType="withEffect">
+                                  <p:stCondLst>
+                                    <p:cond delay="0"/>
+                                  </p:stCondLst>
+                                  <p:childTnLst>
+                                    <p:set>
+                                      <p:cBhvr>
+                                        <p:cTn id="26" dur="1" fill="hold">
+                                          <p:stCondLst>
+                                            <p:cond delay="0"/>
+                                          </p:stCondLst>
+                                        </p:cTn>
+                                        <p:tgtEl>
+                                          <p:spTgt spid="14"/>
+                                        </p:tgtEl>
+                                        <p:attrNameLst>
+                                          <p:attrName>style.visibility</p:attrName>
+                                        </p:attrNameLst>
+                                      </p:cBhvr>
+                                      <p:to>
+                                        <p:strVal val="visible"/>
+                                      </p:to>
+                                    </p:set>
+                                  </p:childTnLst>
+                                </p:cTn>
+                              </p:par>
+                            </p:childTnLst>
+                          </p:cTn>
+                        </p:par>
+                      </p:childTnLst>
+                    </p:cTn>
+                  </p:par>
+                </p:childTnLst>
+              </p:cTn>
+              <p:prevCondLst>
+                <p:cond evt="onPrev" delay="0">
+                  <p:tgtEl>
+                    <p:sldTgt/>
+                  </p:tgtEl>
+                </p:cond>
+              </p:prevCondLst>
+              <p:nextCondLst>
+                <p:cond evt="onNext" delay="0">
+                  <p:tgtEl>
+                    <p:sldTgt/>
+                  </p:tgtEl>
+                </p:cond>
+              </p:nextCondLst>
+            </p:seq>
+          </p:childTnLst>
+        </p:cTn>
+      </p:par>
+    </p:tnLst>
+    <p:bldLst>
+      <p:bldP spid="6" grpId="0"/>
+      <p:bldP spid="9" grpId="0"/>
+      <p:bldP spid="11" grpId="0"/>
+      <p:bldP spid="14" grpId="0"/>
+    </p:bldLst>
+  </p:timing>
+</p:sld>
+</file>
+
+<file path=ppt/slides/slide6.xml><?xml version="1.0" encoding="utf-8"?>
+<p:sld xmlns:a="http://schemas.openxmlformats.org/drawingml/2006/main" xmlns:r="http://schemas.openxmlformats.org/officeDocument/2006/relationships" xmlns:p="http://schemas.openxmlformats.org/presentationml/2006/main">
+  <p:cSld>
+    <p:spTree>
+      <p:nvGrpSpPr>
+        <p:cNvPr id="1" name=""/>
+        <p:cNvGrpSpPr/>
+        <p:nvPr/>
+      </p:nvGrpSpPr>
+      <p:grpSpPr>
+        <a:xfrm>
+          <a:off x="0" y="0"/>
+          <a:ext cx="0" cy="0"/>
+          <a:chOff x="0" y="0"/>
+          <a:chExt cx="0" cy="0"/>
+        </a:xfrm>
+      </p:grpSpPr>
+      <p:sp>
+        <p:nvSpPr>
+          <p:cNvPr id="2" name="Título 1">
+            <a:extLst>
+              <a:ext uri="{FF2B5EF4-FFF2-40B4-BE49-F238E27FC236}">
+                <a16:creationId xmlns:a16="http://schemas.microsoft.com/office/drawing/2014/main" id="{BC2800D7-79BA-454D-844C-E769803C95EA}"/>
+              </a:ext>
+            </a:extLst>
+          </p:cNvPr>
+          <p:cNvSpPr>
+            <a:spLocks noGrp="1"/>
+          </p:cNvSpPr>
+          <p:nvPr>
+            <p:ph type="title"/>
+          </p:nvPr>
+        </p:nvSpPr>
+        <p:spPr/>
+        <p:txBody>
+          <a:bodyPr/>
+          <a:lstStyle/>
+          <a:p>
+            <a:r>
+              <a:rPr lang="es-CL" dirty="0">
+                <a:solidFill>
+                  <a:schemeClr val="accent1">
+                    <a:lumMod val="75000"/>
+                  </a:schemeClr>
+                </a:solidFill>
+              </a:rPr>
+              <a:t>Variables</a:t>
+            </a:r>
+          </a:p>
+        </p:txBody>
+      </p:sp>
+      <p:sp>
+        <p:nvSpPr>
+          <p:cNvPr id="3" name="Marcador de contenido 2">
+            <a:extLst>
+              <a:ext uri="{FF2B5EF4-FFF2-40B4-BE49-F238E27FC236}">
+                <a16:creationId xmlns:a16="http://schemas.microsoft.com/office/drawing/2014/main" id="{5221BC3D-1DE0-409D-9545-0BD2F4D59BE8}"/>
+              </a:ext>
+            </a:extLst>
+          </p:cNvPr>
+          <p:cNvSpPr>
+            <a:spLocks noGrp="1"/>
+          </p:cNvSpPr>
+          <p:nvPr>
+            <p:ph idx="1"/>
+          </p:nvPr>
+        </p:nvSpPr>
+        <p:spPr/>
+        <p:txBody>
+          <a:bodyPr/>
+          <a:lstStyle/>
+          <a:p>
+            <a:endParaRPr lang="es-CL" dirty="0"/>
+          </a:p>
+        </p:txBody>
+      </p:sp>
+      <p:sp>
+        <p:nvSpPr>
+          <p:cNvPr id="5" name="Marcador de número de diapositiva 4">
+            <a:extLst>
+              <a:ext uri="{FF2B5EF4-FFF2-40B4-BE49-F238E27FC236}">
+                <a16:creationId xmlns:a16="http://schemas.microsoft.com/office/drawing/2014/main" id="{D5AA2684-F624-4F85-823E-0BBA418B87D9}"/>
+              </a:ext>
+            </a:extLst>
+          </p:cNvPr>
+          <p:cNvSpPr>
+            <a:spLocks noGrp="1"/>
+          </p:cNvSpPr>
+          <p:nvPr>
+            <p:ph type="sldNum" sz="quarter" idx="12"/>
+          </p:nvPr>
+        </p:nvSpPr>
+        <p:spPr/>
+        <p:txBody>
+          <a:bodyPr/>
+          <a:lstStyle/>
+          <a:p>
+            <a:fld id="{60539AB6-AFBB-47CB-A8BC-A4C87AFFBFC1}" type="slidenum">
+              <a:rPr lang="es-CL" smtClean="0"/>
+              <a:t>6</a:t>
+            </a:fld>
+            <a:endParaRPr lang="es-CL"/>
+          </a:p>
+        </p:txBody>
+      </p:sp>
+    </p:spTree>
+    <p:extLst>
+      <p:ext uri="{BB962C8B-B14F-4D97-AF65-F5344CB8AC3E}">
+        <p14:creationId xmlns:p14="http://schemas.microsoft.com/office/powerpoint/2010/main" val="2217540789"/>
       </p:ext>
     </p:extLst>
   </p:cSld>
